--- a/기능 정리/project03 - 기능 정리 - 용승.pptx
+++ b/기능 정리/project03 - 기능 정리 - 용승.pptx
@@ -107,6 +107,11 @@
       </a:defRPr>
     </a:lvl9pPr>
   </p:defaultTextStyle>
+  <p:extLst>
+    <p:ext uri="{EFAFB233-063F-42B5-8137-9DF3F51BA10A}">
+      <p15:sldGuideLst xmlns:p15="http://schemas.microsoft.com/office/powerpoint/2012/main"/>
+    </p:ext>
+  </p:extLst>
 </p:presentation>
 </file>
 
@@ -3081,7 +3086,21 @@
           <a:bodyPr/>
           <a:lstStyle/>
           <a:p>
-            <a:endParaRPr lang="ko-KR" altLang="en-US"/>
+            <a:r>
+              <a:rPr lang="ko-KR" altLang="en-US" dirty="0" err="1" smtClean="0"/>
+              <a:t>리워드투자</a:t>
+            </a:r>
+            <a:endParaRPr lang="en-US" altLang="ko-KR" dirty="0" smtClean="0"/>
+          </a:p>
+          <a:p>
+            <a:r>
+              <a:rPr lang="ko-KR" altLang="en-US" dirty="0" smtClean="0"/>
+              <a:t>투자 오픈</a:t>
+            </a:r>
+            <a:endParaRPr lang="en-US" altLang="ko-KR" dirty="0" smtClean="0"/>
+          </a:p>
+          <a:p>
+            <a:endParaRPr lang="ko-KR" altLang="en-US" dirty="0"/>
           </a:p>
         </p:txBody>
       </p:sp>

--- a/기능 정리/project03 - 기능 정리 - 용승.pptx
+++ b/기능 정리/project03 - 기능 정리 - 용승.pptx
@@ -6,9 +6,10 @@
   </p:sldMasterIdLst>
   <p:sldIdLst>
     <p:sldId id="260" r:id="rId2"/>
-    <p:sldId id="258" r:id="rId3"/>
-    <p:sldId id="257" r:id="rId4"/>
-    <p:sldId id="259" r:id="rId5"/>
+    <p:sldId id="261" r:id="rId3"/>
+    <p:sldId id="258" r:id="rId4"/>
+    <p:sldId id="257" r:id="rId5"/>
+    <p:sldId id="259" r:id="rId6"/>
   </p:sldIdLst>
   <p:sldSz cx="12192000" cy="6858000"/>
   <p:notesSz cx="6858000" cy="9144000"/>
@@ -246,7 +247,7 @@
           <a:p>
             <a:fld id="{E0C64F5E-737F-4F6B-9F15-DAA8DB3BF429}" type="datetimeFigureOut">
               <a:rPr lang="ko-KR" altLang="en-US" smtClean="0"/>
-              <a:t>2020-01-31</a:t>
+              <a:t>2020-02-03</a:t>
             </a:fld>
             <a:endParaRPr lang="ko-KR" altLang="en-US"/>
           </a:p>
@@ -416,7 +417,7 @@
           <a:p>
             <a:fld id="{E0C64F5E-737F-4F6B-9F15-DAA8DB3BF429}" type="datetimeFigureOut">
               <a:rPr lang="ko-KR" altLang="en-US" smtClean="0"/>
-              <a:t>2020-01-31</a:t>
+              <a:t>2020-02-03</a:t>
             </a:fld>
             <a:endParaRPr lang="ko-KR" altLang="en-US"/>
           </a:p>
@@ -596,7 +597,7 @@
           <a:p>
             <a:fld id="{E0C64F5E-737F-4F6B-9F15-DAA8DB3BF429}" type="datetimeFigureOut">
               <a:rPr lang="ko-KR" altLang="en-US" smtClean="0"/>
-              <a:t>2020-01-31</a:t>
+              <a:t>2020-02-03</a:t>
             </a:fld>
             <a:endParaRPr lang="ko-KR" altLang="en-US"/>
           </a:p>
@@ -766,7 +767,7 @@
           <a:p>
             <a:fld id="{E0C64F5E-737F-4F6B-9F15-DAA8DB3BF429}" type="datetimeFigureOut">
               <a:rPr lang="ko-KR" altLang="en-US" smtClean="0"/>
-              <a:t>2020-01-31</a:t>
+              <a:t>2020-02-03</a:t>
             </a:fld>
             <a:endParaRPr lang="ko-KR" altLang="en-US"/>
           </a:p>
@@ -1012,7 +1013,7 @@
           <a:p>
             <a:fld id="{E0C64F5E-737F-4F6B-9F15-DAA8DB3BF429}" type="datetimeFigureOut">
               <a:rPr lang="ko-KR" altLang="en-US" smtClean="0"/>
-              <a:t>2020-01-31</a:t>
+              <a:t>2020-02-03</a:t>
             </a:fld>
             <a:endParaRPr lang="ko-KR" altLang="en-US"/>
           </a:p>
@@ -1244,7 +1245,7 @@
           <a:p>
             <a:fld id="{E0C64F5E-737F-4F6B-9F15-DAA8DB3BF429}" type="datetimeFigureOut">
               <a:rPr lang="ko-KR" altLang="en-US" smtClean="0"/>
-              <a:t>2020-01-31</a:t>
+              <a:t>2020-02-03</a:t>
             </a:fld>
             <a:endParaRPr lang="ko-KR" altLang="en-US"/>
           </a:p>
@@ -1611,7 +1612,7 @@
           <a:p>
             <a:fld id="{E0C64F5E-737F-4F6B-9F15-DAA8DB3BF429}" type="datetimeFigureOut">
               <a:rPr lang="ko-KR" altLang="en-US" smtClean="0"/>
-              <a:t>2020-01-31</a:t>
+              <a:t>2020-02-03</a:t>
             </a:fld>
             <a:endParaRPr lang="ko-KR" altLang="en-US"/>
           </a:p>
@@ -1729,7 +1730,7 @@
           <a:p>
             <a:fld id="{E0C64F5E-737F-4F6B-9F15-DAA8DB3BF429}" type="datetimeFigureOut">
               <a:rPr lang="ko-KR" altLang="en-US" smtClean="0"/>
-              <a:t>2020-01-31</a:t>
+              <a:t>2020-02-03</a:t>
             </a:fld>
             <a:endParaRPr lang="ko-KR" altLang="en-US"/>
           </a:p>
@@ -1824,7 +1825,7 @@
           <a:p>
             <a:fld id="{E0C64F5E-737F-4F6B-9F15-DAA8DB3BF429}" type="datetimeFigureOut">
               <a:rPr lang="ko-KR" altLang="en-US" smtClean="0"/>
-              <a:t>2020-01-31</a:t>
+              <a:t>2020-02-03</a:t>
             </a:fld>
             <a:endParaRPr lang="ko-KR" altLang="en-US"/>
           </a:p>
@@ -2101,7 +2102,7 @@
           <a:p>
             <a:fld id="{E0C64F5E-737F-4F6B-9F15-DAA8DB3BF429}" type="datetimeFigureOut">
               <a:rPr lang="ko-KR" altLang="en-US" smtClean="0"/>
-              <a:t>2020-01-31</a:t>
+              <a:t>2020-02-03</a:t>
             </a:fld>
             <a:endParaRPr lang="ko-KR" altLang="en-US"/>
           </a:p>
@@ -2354,7 +2355,7 @@
           <a:p>
             <a:fld id="{E0C64F5E-737F-4F6B-9F15-DAA8DB3BF429}" type="datetimeFigureOut">
               <a:rPr lang="ko-KR" altLang="en-US" smtClean="0"/>
-              <a:t>2020-01-31</a:t>
+              <a:t>2020-02-03</a:t>
             </a:fld>
             <a:endParaRPr lang="ko-KR" altLang="en-US"/>
           </a:p>
@@ -2567,7 +2568,7 @@
           <a:p>
             <a:fld id="{E0C64F5E-737F-4F6B-9F15-DAA8DB3BF429}" type="datetimeFigureOut">
               <a:rPr lang="ko-KR" altLang="en-US" smtClean="0"/>
-              <a:t>2020-01-31</a:t>
+              <a:t>2020-02-03</a:t>
             </a:fld>
             <a:endParaRPr lang="ko-KR" altLang="en-US"/>
           </a:p>
@@ -3081,22 +3082,144 @@
             <p:ph idx="1"/>
           </p:nvPr>
         </p:nvSpPr>
-        <p:spPr/>
-        <p:txBody>
-          <a:bodyPr/>
-          <a:lstStyle/>
-          <a:p>
+        <p:spPr>
+          <a:xfrm>
+            <a:off x="838200" y="1825625"/>
+            <a:ext cx="10636624" cy="4351338"/>
+          </a:xfrm>
+        </p:spPr>
+        <p:txBody>
+          <a:bodyPr/>
+          <a:lstStyle/>
+          <a:p>
+            <a:pPr>
+              <a:buFontTx/>
+              <a:buChar char="-"/>
+            </a:pPr>
+            <a:r>
+              <a:rPr lang="ko-KR" altLang="en-US" dirty="0" smtClean="0"/>
+              <a:t>사용자 공통 기능</a:t>
+            </a:r>
+            <a:endParaRPr lang="en-US" altLang="ko-KR" dirty="0" smtClean="0"/>
+          </a:p>
+          <a:p>
+            <a:pPr marL="0" indent="0">
+              <a:buNone/>
+            </a:pPr>
+            <a:r>
+              <a:rPr lang="en-US" altLang="ko-KR" dirty="0" smtClean="0"/>
+              <a:t> </a:t>
+            </a:r>
+            <a:r>
+              <a:rPr lang="ko-KR" altLang="en-US" dirty="0" smtClean="0"/>
+              <a:t>회원가입</a:t>
+            </a:r>
+            <a:r>
+              <a:rPr lang="en-US" altLang="ko-KR" dirty="0" smtClean="0"/>
+              <a:t>(</a:t>
+            </a:r>
+            <a:r>
+              <a:rPr lang="ko-KR" altLang="en-US" dirty="0" smtClean="0"/>
+              <a:t>일반사용자와 사업자사용자 가입 </a:t>
+            </a:r>
+            <a:r>
+              <a:rPr lang="ko-KR" altLang="en-US" dirty="0" smtClean="0"/>
+              <a:t>구분</a:t>
+            </a:r>
+            <a:r>
+              <a:rPr lang="en-US" altLang="ko-KR" dirty="0" smtClean="0"/>
+              <a:t>)</a:t>
+            </a:r>
+            <a:endParaRPr lang="en-US" altLang="ko-KR" dirty="0"/>
+          </a:p>
+          <a:p>
+            <a:pPr marL="0" indent="0">
+              <a:buNone/>
+            </a:pPr>
+            <a:r>
+              <a:rPr lang="en-US" altLang="ko-KR" dirty="0" smtClean="0"/>
+              <a:t> </a:t>
+            </a:r>
             <a:r>
               <a:rPr lang="ko-KR" altLang="en-US" dirty="0" err="1" smtClean="0"/>
-              <a:t>리워드투자</a:t>
+              <a:t>마이페이지</a:t>
+            </a:r>
+            <a:r>
+              <a:rPr lang="ko-KR" altLang="en-US" dirty="0" smtClean="0"/>
+              <a:t> </a:t>
             </a:r>
             <a:endParaRPr lang="en-US" altLang="ko-KR" dirty="0" smtClean="0"/>
           </a:p>
           <a:p>
+            <a:pPr marL="0" indent="0">
+              <a:buNone/>
+            </a:pPr>
+            <a:r>
+              <a:rPr lang="en-US" altLang="ko-KR" dirty="0" smtClean="0"/>
+              <a:t> Q&amp;A</a:t>
+            </a:r>
+          </a:p>
+          <a:p>
+            <a:pPr marL="0" indent="0">
+              <a:buNone/>
+            </a:pPr>
+            <a:r>
+              <a:rPr lang="en-US" altLang="ko-KR" dirty="0" smtClean="0"/>
+              <a:t> </a:t>
+            </a:r>
             <a:r>
               <a:rPr lang="ko-KR" altLang="en-US" dirty="0" smtClean="0"/>
-              <a:t>투자 오픈</a:t>
-            </a:r>
+              <a:t>자유게시판</a:t>
+            </a:r>
+            <a:endParaRPr lang="en-US" altLang="ko-KR" dirty="0" smtClean="0"/>
+          </a:p>
+          <a:p>
+            <a:pPr marL="0" indent="0">
+              <a:buNone/>
+            </a:pPr>
+            <a:r>
+              <a:rPr lang="ko-KR" altLang="en-US" dirty="0" smtClean="0"/>
+              <a:t> 계좌등록 및 결제수단 등록</a:t>
+            </a:r>
+            <a:endParaRPr lang="en-US" altLang="ko-KR" dirty="0" smtClean="0"/>
+          </a:p>
+          <a:p>
+            <a:pPr marL="0" indent="0">
+              <a:buNone/>
+            </a:pPr>
+            <a:r>
+              <a:rPr lang="en-US" altLang="ko-KR" dirty="0"/>
+              <a:t> </a:t>
+            </a:r>
+            <a:r>
+              <a:rPr lang="ko-KR" altLang="en-US" dirty="0" err="1" smtClean="0"/>
+              <a:t>카테고리별</a:t>
+            </a:r>
+            <a:r>
+              <a:rPr lang="ko-KR" altLang="en-US" dirty="0" smtClean="0"/>
+              <a:t> </a:t>
+            </a:r>
+            <a:r>
+              <a:rPr lang="ko-KR" altLang="en-US" smtClean="0"/>
+              <a:t>펀딩페이지</a:t>
+            </a:r>
+            <a:r>
+              <a:rPr lang="ko-KR" altLang="en-US" dirty="0" smtClean="0"/>
+              <a:t> </a:t>
+            </a:r>
+            <a:endParaRPr lang="en-US" altLang="ko-KR" dirty="0" smtClean="0"/>
+          </a:p>
+          <a:p>
+            <a:pPr marL="0" indent="0">
+              <a:buNone/>
+            </a:pPr>
+            <a:r>
+              <a:rPr lang="en-US" altLang="ko-KR" dirty="0"/>
+              <a:t> </a:t>
+            </a:r>
+            <a:endParaRPr lang="en-US" altLang="ko-KR" dirty="0" smtClean="0"/>
+          </a:p>
+          <a:p>
             <a:endParaRPr lang="en-US" altLang="ko-KR" dirty="0" smtClean="0"/>
           </a:p>
           <a:p>
@@ -3107,7 +3230,7 @@
     </p:spTree>
     <p:extLst>
       <p:ext uri="{BB962C8B-B14F-4D97-AF65-F5344CB8AC3E}">
-        <p14:creationId xmlns:p14="http://schemas.microsoft.com/office/powerpoint/2010/main" val="2796244275"/>
+        <p14:creationId xmlns:p14="http://schemas.microsoft.com/office/powerpoint/2010/main" val="2155328423"/>
       </p:ext>
     </p:extLst>
   </p:cSld>
@@ -3151,6 +3274,438 @@
           <a:p>
             <a:r>
               <a:rPr lang="ko-KR" altLang="en-US" dirty="0" smtClean="0"/>
+              <a:t>사용자 기능</a:t>
+            </a:r>
+            <a:endParaRPr lang="ko-KR" altLang="en-US" dirty="0"/>
+          </a:p>
+        </p:txBody>
+      </p:sp>
+      <p:sp>
+        <p:nvSpPr>
+          <p:cNvPr id="3" name="내용 개체 틀 2"/>
+          <p:cNvSpPr>
+            <a:spLocks noGrp="1"/>
+          </p:cNvSpPr>
+          <p:nvPr>
+            <p:ph idx="1"/>
+          </p:nvPr>
+        </p:nvSpPr>
+        <p:spPr>
+          <a:xfrm>
+            <a:off x="838200" y="1825625"/>
+            <a:ext cx="4379259" cy="4351338"/>
+          </a:xfrm>
+        </p:spPr>
+        <p:txBody>
+          <a:bodyPr/>
+          <a:lstStyle/>
+          <a:p>
+            <a:pPr marL="0" indent="0">
+              <a:buNone/>
+            </a:pPr>
+            <a:r>
+              <a:rPr lang="en-US" altLang="ko-KR" dirty="0" smtClean="0"/>
+              <a:t>- </a:t>
+            </a:r>
+            <a:r>
+              <a:rPr lang="ko-KR" altLang="en-US" dirty="0" err="1" smtClean="0"/>
+              <a:t>펀딩</a:t>
+            </a:r>
+            <a:r>
+              <a:rPr lang="ko-KR" altLang="en-US" dirty="0" smtClean="0"/>
+              <a:t> 제공자</a:t>
+            </a:r>
+            <a:endParaRPr lang="en-US" altLang="ko-KR" dirty="0" smtClean="0"/>
+          </a:p>
+          <a:p>
+            <a:r>
+              <a:rPr lang="ko-KR" altLang="en-US" dirty="0" err="1" smtClean="0"/>
+              <a:t>리워드투자</a:t>
+            </a:r>
+            <a:endParaRPr lang="en-US" altLang="ko-KR" dirty="0" smtClean="0"/>
+          </a:p>
+          <a:p>
+            <a:r>
+              <a:rPr lang="ko-KR" altLang="en-US" dirty="0" smtClean="0"/>
+              <a:t>투자 </a:t>
+            </a:r>
+            <a:r>
+              <a:rPr lang="ko-KR" altLang="en-US" dirty="0" smtClean="0"/>
+              <a:t>오픈</a:t>
+            </a:r>
+            <a:endParaRPr lang="en-US" altLang="ko-KR" dirty="0" smtClean="0"/>
+          </a:p>
+          <a:p>
+            <a:r>
+              <a:rPr lang="ko-KR" altLang="en-US" dirty="0" err="1" smtClean="0"/>
+              <a:t>펀딩</a:t>
+            </a:r>
+            <a:r>
+              <a:rPr lang="ko-KR" altLang="en-US" dirty="0" smtClean="0"/>
+              <a:t> 등록</a:t>
+            </a:r>
+            <a:r>
+              <a:rPr lang="en-US" altLang="ko-KR" dirty="0" smtClean="0"/>
+              <a:t>&amp;</a:t>
+            </a:r>
+            <a:r>
+              <a:rPr lang="ko-KR" altLang="en-US" dirty="0" smtClean="0"/>
+              <a:t>수정</a:t>
+            </a:r>
+            <a:endParaRPr lang="en-US" altLang="ko-KR" dirty="0" smtClean="0"/>
+          </a:p>
+          <a:p>
+            <a:endParaRPr lang="en-US" altLang="ko-KR" dirty="0" smtClean="0"/>
+          </a:p>
+          <a:p>
+            <a:endParaRPr lang="en-US" altLang="ko-KR" dirty="0" smtClean="0"/>
+          </a:p>
+          <a:p>
+            <a:endParaRPr lang="en-US" altLang="ko-KR" dirty="0" smtClean="0"/>
+          </a:p>
+          <a:p>
+            <a:endParaRPr lang="en-US" altLang="ko-KR" dirty="0" smtClean="0"/>
+          </a:p>
+          <a:p>
+            <a:endParaRPr lang="ko-KR" altLang="en-US" dirty="0"/>
+          </a:p>
+        </p:txBody>
+      </p:sp>
+      <p:sp>
+        <p:nvSpPr>
+          <p:cNvPr id="4" name="내용 개체 틀 2"/>
+          <p:cNvSpPr txBox="1">
+            <a:spLocks/>
+          </p:cNvSpPr>
+          <p:nvPr/>
+        </p:nvSpPr>
+        <p:spPr>
+          <a:xfrm>
+            <a:off x="6028765" y="1690688"/>
+            <a:ext cx="4379259" cy="4351338"/>
+          </a:xfrm>
+          <a:prstGeom prst="rect">
+            <a:avLst/>
+          </a:prstGeom>
+        </p:spPr>
+        <p:txBody>
+          <a:bodyPr vert="horz" lIns="91440" tIns="45720" rIns="91440" bIns="45720" rtlCol="0">
+            <a:normAutofit/>
+          </a:bodyPr>
+          <a:lstStyle>
+            <a:lvl1pPr marL="228600" indent="-228600" algn="l" defTabSz="914400" rtl="0" eaLnBrk="1" latinLnBrk="1" hangingPunct="1">
+              <a:lnSpc>
+                <a:spcPct val="90000"/>
+              </a:lnSpc>
+              <a:spcBef>
+                <a:spcPts val="1000"/>
+              </a:spcBef>
+              <a:buFont typeface="Arial" panose="020B0604020202020204" pitchFamily="34" charset="0"/>
+              <a:buChar char="•"/>
+              <a:defRPr sz="2800" kern="1200">
+                <a:solidFill>
+                  <a:schemeClr val="tx1"/>
+                </a:solidFill>
+                <a:latin typeface="+mn-lt"/>
+                <a:ea typeface="+mn-ea"/>
+                <a:cs typeface="+mn-cs"/>
+              </a:defRPr>
+            </a:lvl1pPr>
+            <a:lvl2pPr marL="685800" indent="-228600" algn="l" defTabSz="914400" rtl="0" eaLnBrk="1" latinLnBrk="1" hangingPunct="1">
+              <a:lnSpc>
+                <a:spcPct val="90000"/>
+              </a:lnSpc>
+              <a:spcBef>
+                <a:spcPts val="500"/>
+              </a:spcBef>
+              <a:buFont typeface="Arial" panose="020B0604020202020204" pitchFamily="34" charset="0"/>
+              <a:buChar char="•"/>
+              <a:defRPr sz="2400" kern="1200">
+                <a:solidFill>
+                  <a:schemeClr val="tx1"/>
+                </a:solidFill>
+                <a:latin typeface="+mn-lt"/>
+                <a:ea typeface="+mn-ea"/>
+                <a:cs typeface="+mn-cs"/>
+              </a:defRPr>
+            </a:lvl2pPr>
+            <a:lvl3pPr marL="1143000" indent="-228600" algn="l" defTabSz="914400" rtl="0" eaLnBrk="1" latinLnBrk="1" hangingPunct="1">
+              <a:lnSpc>
+                <a:spcPct val="90000"/>
+              </a:lnSpc>
+              <a:spcBef>
+                <a:spcPts val="500"/>
+              </a:spcBef>
+              <a:buFont typeface="Arial" panose="020B0604020202020204" pitchFamily="34" charset="0"/>
+              <a:buChar char="•"/>
+              <a:defRPr sz="2000" kern="1200">
+                <a:solidFill>
+                  <a:schemeClr val="tx1"/>
+                </a:solidFill>
+                <a:latin typeface="+mn-lt"/>
+                <a:ea typeface="+mn-ea"/>
+                <a:cs typeface="+mn-cs"/>
+              </a:defRPr>
+            </a:lvl3pPr>
+            <a:lvl4pPr marL="1600200" indent="-228600" algn="l" defTabSz="914400" rtl="0" eaLnBrk="1" latinLnBrk="1" hangingPunct="1">
+              <a:lnSpc>
+                <a:spcPct val="90000"/>
+              </a:lnSpc>
+              <a:spcBef>
+                <a:spcPts val="500"/>
+              </a:spcBef>
+              <a:buFont typeface="Arial" panose="020B0604020202020204" pitchFamily="34" charset="0"/>
+              <a:buChar char="•"/>
+              <a:defRPr sz="1800" kern="1200">
+                <a:solidFill>
+                  <a:schemeClr val="tx1"/>
+                </a:solidFill>
+                <a:latin typeface="+mn-lt"/>
+                <a:ea typeface="+mn-ea"/>
+                <a:cs typeface="+mn-cs"/>
+              </a:defRPr>
+            </a:lvl4pPr>
+            <a:lvl5pPr marL="2057400" indent="-228600" algn="l" defTabSz="914400" rtl="0" eaLnBrk="1" latinLnBrk="1" hangingPunct="1">
+              <a:lnSpc>
+                <a:spcPct val="90000"/>
+              </a:lnSpc>
+              <a:spcBef>
+                <a:spcPts val="500"/>
+              </a:spcBef>
+              <a:buFont typeface="Arial" panose="020B0604020202020204" pitchFamily="34" charset="0"/>
+              <a:buChar char="•"/>
+              <a:defRPr sz="1800" kern="1200">
+                <a:solidFill>
+                  <a:schemeClr val="tx1"/>
+                </a:solidFill>
+                <a:latin typeface="+mn-lt"/>
+                <a:ea typeface="+mn-ea"/>
+                <a:cs typeface="+mn-cs"/>
+              </a:defRPr>
+            </a:lvl5pPr>
+            <a:lvl6pPr marL="2514600" indent="-228600" algn="l" defTabSz="914400" rtl="0" eaLnBrk="1" latinLnBrk="1" hangingPunct="1">
+              <a:lnSpc>
+                <a:spcPct val="90000"/>
+              </a:lnSpc>
+              <a:spcBef>
+                <a:spcPts val="500"/>
+              </a:spcBef>
+              <a:buFont typeface="Arial" panose="020B0604020202020204" pitchFamily="34" charset="0"/>
+              <a:buChar char="•"/>
+              <a:defRPr sz="1800" kern="1200">
+                <a:solidFill>
+                  <a:schemeClr val="tx1"/>
+                </a:solidFill>
+                <a:latin typeface="+mn-lt"/>
+                <a:ea typeface="+mn-ea"/>
+                <a:cs typeface="+mn-cs"/>
+              </a:defRPr>
+            </a:lvl6pPr>
+            <a:lvl7pPr marL="2971800" indent="-228600" algn="l" defTabSz="914400" rtl="0" eaLnBrk="1" latinLnBrk="1" hangingPunct="1">
+              <a:lnSpc>
+                <a:spcPct val="90000"/>
+              </a:lnSpc>
+              <a:spcBef>
+                <a:spcPts val="500"/>
+              </a:spcBef>
+              <a:buFont typeface="Arial" panose="020B0604020202020204" pitchFamily="34" charset="0"/>
+              <a:buChar char="•"/>
+              <a:defRPr sz="1800" kern="1200">
+                <a:solidFill>
+                  <a:schemeClr val="tx1"/>
+                </a:solidFill>
+                <a:latin typeface="+mn-lt"/>
+                <a:ea typeface="+mn-ea"/>
+                <a:cs typeface="+mn-cs"/>
+              </a:defRPr>
+            </a:lvl7pPr>
+            <a:lvl8pPr marL="3429000" indent="-228600" algn="l" defTabSz="914400" rtl="0" eaLnBrk="1" latinLnBrk="1" hangingPunct="1">
+              <a:lnSpc>
+                <a:spcPct val="90000"/>
+              </a:lnSpc>
+              <a:spcBef>
+                <a:spcPts val="500"/>
+              </a:spcBef>
+              <a:buFont typeface="Arial" panose="020B0604020202020204" pitchFamily="34" charset="0"/>
+              <a:buChar char="•"/>
+              <a:defRPr sz="1800" kern="1200">
+                <a:solidFill>
+                  <a:schemeClr val="tx1"/>
+                </a:solidFill>
+                <a:latin typeface="+mn-lt"/>
+                <a:ea typeface="+mn-ea"/>
+                <a:cs typeface="+mn-cs"/>
+              </a:defRPr>
+            </a:lvl8pPr>
+            <a:lvl9pPr marL="3886200" indent="-228600" algn="l" defTabSz="914400" rtl="0" eaLnBrk="1" latinLnBrk="1" hangingPunct="1">
+              <a:lnSpc>
+                <a:spcPct val="90000"/>
+              </a:lnSpc>
+              <a:spcBef>
+                <a:spcPts val="500"/>
+              </a:spcBef>
+              <a:buFont typeface="Arial" panose="020B0604020202020204" pitchFamily="34" charset="0"/>
+              <a:buChar char="•"/>
+              <a:defRPr sz="1800" kern="1200">
+                <a:solidFill>
+                  <a:schemeClr val="tx1"/>
+                </a:solidFill>
+                <a:latin typeface="+mn-lt"/>
+                <a:ea typeface="+mn-ea"/>
+                <a:cs typeface="+mn-cs"/>
+              </a:defRPr>
+            </a:lvl9pPr>
+          </a:lstStyle>
+          <a:p>
+            <a:pPr marL="0" indent="0">
+              <a:buNone/>
+            </a:pPr>
+            <a:r>
+              <a:rPr lang="en-US" altLang="ko-KR" dirty="0" smtClean="0"/>
+              <a:t>- </a:t>
+            </a:r>
+            <a:r>
+              <a:rPr lang="ko-KR" altLang="en-US" dirty="0" smtClean="0"/>
+              <a:t>일반 사용자</a:t>
+            </a:r>
+            <a:endParaRPr lang="en-US" altLang="ko-KR" dirty="0" smtClean="0"/>
+          </a:p>
+          <a:p>
+            <a:r>
+              <a:rPr lang="ko-KR" altLang="en-US" dirty="0" err="1" smtClean="0"/>
+              <a:t>펀딩투자결제</a:t>
+            </a:r>
+            <a:endParaRPr lang="en-US" altLang="ko-KR" dirty="0" smtClean="0"/>
+          </a:p>
+          <a:p>
+            <a:r>
+              <a:rPr lang="ko-KR" altLang="en-US" dirty="0" smtClean="0"/>
+              <a:t>내가 </a:t>
+            </a:r>
+            <a:r>
+              <a:rPr lang="ko-KR" altLang="en-US" dirty="0" err="1" smtClean="0"/>
+              <a:t>펀딩한</a:t>
+            </a:r>
+            <a:r>
+              <a:rPr lang="ko-KR" altLang="en-US" dirty="0" smtClean="0"/>
+              <a:t> 상품 보기</a:t>
+            </a:r>
+            <a:endParaRPr lang="en-US" altLang="ko-KR" dirty="0" smtClean="0"/>
+          </a:p>
+          <a:p>
+            <a:r>
+              <a:rPr lang="ko-KR" altLang="en-US" dirty="0" smtClean="0"/>
+              <a:t>베스트 </a:t>
+            </a:r>
+            <a:r>
+              <a:rPr lang="ko-KR" altLang="en-US" dirty="0" err="1" smtClean="0"/>
+              <a:t>펀딩</a:t>
+            </a:r>
+            <a:r>
+              <a:rPr lang="ko-KR" altLang="en-US" dirty="0" smtClean="0"/>
+              <a:t> 모아보기</a:t>
+            </a:r>
+            <a:endParaRPr lang="en-US" altLang="ko-KR" dirty="0" smtClean="0"/>
+          </a:p>
+          <a:p>
+            <a:r>
+              <a:rPr lang="ko-KR" altLang="en-US" dirty="0" err="1" smtClean="0"/>
+              <a:t>펀딩</a:t>
+            </a:r>
+            <a:r>
+              <a:rPr lang="ko-KR" altLang="en-US" dirty="0" smtClean="0"/>
+              <a:t> 방법 안내</a:t>
+            </a:r>
+            <a:endParaRPr lang="en-US" altLang="ko-KR" dirty="0" smtClean="0"/>
+          </a:p>
+          <a:p>
+            <a:r>
+              <a:rPr lang="ko-KR" altLang="en-US" dirty="0" err="1" smtClean="0"/>
+              <a:t>펀딩</a:t>
+            </a:r>
+            <a:r>
+              <a:rPr lang="ko-KR" altLang="en-US" dirty="0" smtClean="0"/>
+              <a:t> 관심사 등록</a:t>
+            </a:r>
+            <a:endParaRPr lang="en-US" altLang="ko-KR" dirty="0" smtClean="0"/>
+          </a:p>
+          <a:p>
+            <a:pPr marL="457200" lvl="1" indent="0">
+              <a:buNone/>
+            </a:pPr>
+            <a:r>
+              <a:rPr lang="en-US" altLang="ko-KR" dirty="0" smtClean="0"/>
+              <a:t>- IT, </a:t>
+            </a:r>
+            <a:r>
+              <a:rPr lang="ko-KR" altLang="en-US" dirty="0" err="1" smtClean="0"/>
+              <a:t>리빙</a:t>
+            </a:r>
+            <a:r>
+              <a:rPr lang="en-US" altLang="ko-KR" dirty="0" smtClean="0"/>
+              <a:t>, </a:t>
+            </a:r>
+            <a:r>
+              <a:rPr lang="ko-KR" altLang="en-US" dirty="0" smtClean="0"/>
+              <a:t>차량 등 카테고리 등록</a:t>
+            </a:r>
+            <a:r>
+              <a:rPr lang="en-US" altLang="ko-KR" dirty="0" smtClean="0"/>
+              <a:t>.</a:t>
+            </a:r>
+          </a:p>
+          <a:p>
+            <a:endParaRPr lang="ko-KR" altLang="en-US" dirty="0"/>
+          </a:p>
+        </p:txBody>
+      </p:sp>
+    </p:spTree>
+    <p:extLst>
+      <p:ext uri="{BB962C8B-B14F-4D97-AF65-F5344CB8AC3E}">
+        <p14:creationId xmlns:p14="http://schemas.microsoft.com/office/powerpoint/2010/main" val="2796244275"/>
+      </p:ext>
+    </p:extLst>
+  </p:cSld>
+  <p:clrMapOvr>
+    <a:masterClrMapping/>
+  </p:clrMapOvr>
+</p:sld>
+</file>
+
+<file path=ppt/slides/slide4.xml><?xml version="1.0" encoding="utf-8"?>
+<p:sld xmlns:a="http://schemas.openxmlformats.org/drawingml/2006/main" xmlns:r="http://schemas.openxmlformats.org/officeDocument/2006/relationships" xmlns:p="http://schemas.openxmlformats.org/presentationml/2006/main">
+  <p:cSld>
+    <p:spTree>
+      <p:nvGrpSpPr>
+        <p:cNvPr id="1" name=""/>
+        <p:cNvGrpSpPr/>
+        <p:nvPr/>
+      </p:nvGrpSpPr>
+      <p:grpSpPr>
+        <a:xfrm>
+          <a:off x="0" y="0"/>
+          <a:ext cx="0" cy="0"/>
+          <a:chOff x="0" y="0"/>
+          <a:chExt cx="0" cy="0"/>
+        </a:xfrm>
+      </p:grpSpPr>
+      <p:sp>
+        <p:nvSpPr>
+          <p:cNvPr id="2" name="제목 1"/>
+          <p:cNvSpPr>
+            <a:spLocks noGrp="1"/>
+          </p:cNvSpPr>
+          <p:nvPr>
+            <p:ph type="title"/>
+          </p:nvPr>
+        </p:nvSpPr>
+        <p:spPr/>
+        <p:txBody>
+          <a:bodyPr/>
+          <a:lstStyle/>
+          <a:p>
+            <a:r>
+              <a:rPr lang="ko-KR" altLang="en-US" dirty="0" smtClean="0"/>
               <a:t>관리자 기능</a:t>
             </a:r>
             <a:endParaRPr lang="ko-KR" altLang="en-US" dirty="0"/>
@@ -3172,7 +3727,105 @@
           <a:bodyPr/>
           <a:lstStyle/>
           <a:p>
-            <a:endParaRPr lang="ko-KR" altLang="en-US"/>
+            <a:r>
+              <a:rPr lang="ko-KR" altLang="en-US" dirty="0" err="1" smtClean="0"/>
+              <a:t>펀딩</a:t>
+            </a:r>
+            <a:r>
+              <a:rPr lang="ko-KR" altLang="en-US" dirty="0" smtClean="0"/>
+              <a:t> 관리페이지</a:t>
+            </a:r>
+            <a:endParaRPr lang="en-US" altLang="ko-KR" dirty="0" smtClean="0"/>
+          </a:p>
+          <a:p>
+            <a:pPr marL="457200" lvl="1" indent="0">
+              <a:buNone/>
+            </a:pPr>
+            <a:r>
+              <a:rPr lang="en-US" altLang="ko-KR" dirty="0" smtClean="0"/>
+              <a:t>- </a:t>
+            </a:r>
+            <a:r>
+              <a:rPr lang="ko-KR" altLang="en-US" dirty="0" err="1" smtClean="0"/>
+              <a:t>펀딩</a:t>
+            </a:r>
+            <a:r>
+              <a:rPr lang="ko-KR" altLang="en-US" dirty="0" smtClean="0"/>
+              <a:t> 기간 관리와 등록 전 </a:t>
+            </a:r>
+            <a:r>
+              <a:rPr lang="ko-KR" altLang="en-US" dirty="0" err="1" smtClean="0"/>
+              <a:t>검토가능한</a:t>
+            </a:r>
+            <a:r>
+              <a:rPr lang="ko-KR" altLang="en-US" dirty="0" smtClean="0"/>
+              <a:t> </a:t>
+            </a:r>
+            <a:r>
+              <a:rPr lang="ko-KR" altLang="en-US" dirty="0" smtClean="0"/>
+              <a:t>임시</a:t>
+            </a:r>
+            <a:r>
+              <a:rPr lang="en-US" altLang="ko-KR" dirty="0" smtClean="0"/>
+              <a:t>?</a:t>
+            </a:r>
+            <a:r>
+              <a:rPr lang="ko-KR" altLang="en-US" dirty="0" smtClean="0"/>
+              <a:t>페이지</a:t>
+            </a:r>
+            <a:endParaRPr lang="en-US" altLang="ko-KR" dirty="0" smtClean="0"/>
+          </a:p>
+          <a:p>
+            <a:r>
+              <a:rPr lang="ko-KR" altLang="en-US" dirty="0" smtClean="0"/>
+              <a:t>회원관리 페이지</a:t>
+            </a:r>
+            <a:r>
+              <a:rPr lang="en-US" altLang="ko-KR" dirty="0" smtClean="0"/>
+              <a:t>(</a:t>
+            </a:r>
+            <a:r>
+              <a:rPr lang="ko-KR" altLang="en-US" dirty="0" smtClean="0"/>
+              <a:t>사업자</a:t>
+            </a:r>
+            <a:r>
+              <a:rPr lang="en-US" altLang="ko-KR" dirty="0" smtClean="0"/>
+              <a:t>, </a:t>
+            </a:r>
+            <a:r>
+              <a:rPr lang="ko-KR" altLang="en-US" dirty="0" smtClean="0"/>
+              <a:t>개인회원 관리</a:t>
+            </a:r>
+            <a:r>
+              <a:rPr lang="en-US" altLang="ko-KR" dirty="0" smtClean="0"/>
+              <a:t>)</a:t>
+            </a:r>
+          </a:p>
+          <a:p>
+            <a:r>
+              <a:rPr lang="ko-KR" altLang="en-US" dirty="0" smtClean="0"/>
+              <a:t>게시판 관리</a:t>
+            </a:r>
+            <a:endParaRPr lang="en-US" altLang="ko-KR" dirty="0" smtClean="0"/>
+          </a:p>
+          <a:p>
+            <a:r>
+              <a:rPr lang="ko-KR" altLang="en-US" dirty="0" smtClean="0"/>
+              <a:t>회원 계좌 관리 페이지</a:t>
+            </a:r>
+            <a:endParaRPr lang="en-US" altLang="ko-KR" dirty="0" smtClean="0"/>
+          </a:p>
+          <a:p>
+            <a:endParaRPr lang="en-US" altLang="ko-KR" dirty="0" smtClean="0"/>
+          </a:p>
+          <a:p>
+            <a:endParaRPr lang="en-US" altLang="ko-KR" dirty="0" smtClean="0"/>
+          </a:p>
+          <a:p>
+            <a:endParaRPr lang="en-US" altLang="ko-KR" dirty="0" smtClean="0"/>
+          </a:p>
+          <a:p>
+            <a:endParaRPr lang="ko-KR" altLang="en-US" dirty="0"/>
           </a:p>
         </p:txBody>
       </p:sp>
@@ -3189,7 +3842,7 @@
 </p:sld>
 </file>
 
-<file path=ppt/slides/slide4.xml><?xml version="1.0" encoding="utf-8"?>
+<file path=ppt/slides/slide5.xml><?xml version="1.0" encoding="utf-8"?>
 <p:sld xmlns:a="http://schemas.openxmlformats.org/drawingml/2006/main" xmlns:r="http://schemas.openxmlformats.org/officeDocument/2006/relationships" xmlns:p="http://schemas.openxmlformats.org/presentationml/2006/main">
   <p:cSld>
     <p:spTree>
